--- a/web/b22/2 Academic Writing.pptx
+++ b/web/b22/2 Academic Writing.pptx
@@ -16397,25 +16397,7 @@
                 </a:solidFill>
                 <a:cs typeface="ＭＳ Ｐゴシック" charset="0"/>
               </a:rPr>
-              <a:t>Oral exam in the </a:t>
-            </a:r>
-            <a:r>
-              <a:rPr lang="en-GB" sz="1800" b="1" kern="0" dirty="0" smtClean="0">
-                <a:solidFill>
-                  <a:srgbClr val="A50021"/>
-                </a:solidFill>
-                <a:cs typeface="ＭＳ Ｐゴシック" charset="0"/>
-              </a:rPr>
-              <a:t>second half </a:t>
-            </a:r>
-            <a:r>
-              <a:rPr lang="en-GB" sz="1800" b="1" kern="0" dirty="0" smtClean="0">
-                <a:solidFill>
-                  <a:srgbClr val="A50021"/>
-                </a:solidFill>
-                <a:cs typeface="ＭＳ Ｐゴシック" charset="0"/>
-              </a:rPr>
-              <a:t>of June</a:t>
+              <a:t>Oral exam in the second half of June</a:t>
             </a:r>
           </a:p>
           <a:p>
@@ -18275,21 +18257,7 @@
                 <a:latin typeface="Arial" pitchFamily="34" charset="0"/>
                 <a:ea typeface="ＭＳ Ｐゴシック" pitchFamily="34" charset="-128"/>
               </a:rPr>
-              <a:t>If you work alone and get stuck: do something else, and return a few </a:t>
-            </a:r>
-            <a:r>
-              <a:rPr lang="en-GB" sz="1600" dirty="0" smtClean="0">
-                <a:latin typeface="Arial" pitchFamily="34" charset="0"/>
-                <a:ea typeface="ＭＳ Ｐゴシック" pitchFamily="34" charset="-128"/>
-              </a:rPr>
-              <a:t>hours/days </a:t>
-            </a:r>
-            <a:r>
-              <a:rPr lang="en-GB" sz="1600" dirty="0" smtClean="0">
-                <a:latin typeface="Arial" pitchFamily="34" charset="0"/>
-                <a:ea typeface="ＭＳ Ｐゴシック" pitchFamily="34" charset="-128"/>
-              </a:rPr>
-              <a:t>later</a:t>
+              <a:t>If you work alone and get stuck: do something else, and return a few hours/days later</a:t>
             </a:r>
             <a:endParaRPr lang="en-GB" sz="1600" dirty="0">
               <a:latin typeface="Arial" pitchFamily="34" charset="0"/>
@@ -19148,15 +19116,7 @@
             </a:pPr>
             <a:r>
               <a:rPr lang="en-GB" altLang="da-DK" sz="1600" spc="-20" dirty="0" smtClean="0"/>
-              <a:t>Hence, you should use the </a:t>
-            </a:r>
-            <a:r>
-              <a:rPr lang="en-GB" altLang="da-DK" sz="1600" spc="-20" dirty="0" smtClean="0"/>
-              <a:t>“stupid" </a:t>
-            </a:r>
-            <a:r>
-              <a:rPr lang="en-GB" altLang="da-DK" sz="1600" spc="-20" dirty="0" smtClean="0"/>
-              <a:t>comment made by your advisor to </a:t>
+              <a:t>Hence, you should use the “stupid" comment made by your advisor to </a:t>
             </a:r>
             <a:r>
               <a:rPr lang="en-GB" altLang="da-DK" sz="1600" b="1" spc="-20" dirty="0" smtClean="0">
@@ -19775,11 +19735,7 @@
             </a:r>
             <a:r>
               <a:rPr lang="en-US" sz="1600" dirty="0" smtClean="0"/>
-              <a:t>advisor </a:t>
-            </a:r>
-            <a:r>
-              <a:rPr lang="en-US" sz="1600" dirty="0" smtClean="0"/>
-              <a:t>(perhaps never </a:t>
+              <a:t>advisor (perhaps never </a:t>
             </a:r>
             <a:r>
               <a:rPr lang="en-US" sz="1600" dirty="0"/>
@@ -20046,7 +20002,11 @@
             </a:r>
             <a:r>
               <a:rPr lang="en-US" sz="1600" dirty="0" smtClean="0"/>
-              <a:t>) when </a:t>
+              <a:t> or EndNote) </a:t>
+            </a:r>
+            <a:r>
+              <a:rPr lang="en-US" sz="1600" dirty="0" smtClean="0"/>
+              <a:t>when </a:t>
             </a:r>
             <a:r>
               <a:rPr lang="en-US" sz="1600" dirty="0"/>
@@ -21056,23 +21016,324 @@
           <a:chExt cx="0" cy="0"/>
         </a:xfrm>
       </p:grpSpPr>
+      <p:sp>
+        <p:nvSpPr>
+          <p:cNvPr id="2" name="Title 1"/>
+          <p:cNvSpPr>
+            <a:spLocks noGrp="1"/>
+          </p:cNvSpPr>
+          <p:nvPr>
+            <p:ph type="title"/>
+          </p:nvPr>
+        </p:nvSpPr>
+        <p:spPr/>
+        <p:txBody>
+          <a:bodyPr/>
+          <a:lstStyle/>
+          <a:p>
+            <a:r>
+              <a:rPr lang="da-DK" dirty="0" smtClean="0"/>
+              <a:t>AU </a:t>
+            </a:r>
+            <a:r>
+              <a:rPr lang="da-DK" dirty="0" err="1" smtClean="0"/>
+              <a:t>Studypedia</a:t>
+            </a:r>
+            <a:r>
+              <a:rPr lang="da-DK" dirty="0" smtClean="0"/>
+              <a:t> (studypedia.au.dk)</a:t>
+            </a:r>
+            <a:endParaRPr lang="da-DK" dirty="0"/>
+          </a:p>
+        </p:txBody>
+      </p:sp>
+      <p:sp>
+        <p:nvSpPr>
+          <p:cNvPr id="3" name="Content Placeholder 2"/>
+          <p:cNvSpPr>
+            <a:spLocks noGrp="1"/>
+          </p:cNvSpPr>
+          <p:nvPr>
+            <p:ph idx="1"/>
+          </p:nvPr>
+        </p:nvSpPr>
+        <p:spPr>
+          <a:xfrm>
+            <a:off x="395536" y="1124745"/>
+            <a:ext cx="8496944" cy="930701"/>
+          </a:xfrm>
+        </p:spPr>
+        <p:txBody>
+          <a:bodyPr/>
+          <a:lstStyle/>
+          <a:p>
+            <a:r>
+              <a:rPr lang="en-US" sz="1800" dirty="0" smtClean="0"/>
+              <a:t>A set of webpages which offers advice, inspiration and exercises in a number of different study related areas</a:t>
+            </a:r>
+          </a:p>
+          <a:p>
+            <a:pPr marL="728663" lvl="1" indent="-271463">
+              <a:spcBef>
+                <a:spcPts val="300"/>
+              </a:spcBef>
+            </a:pPr>
+            <a:r>
+              <a:rPr lang="da-DK" sz="1600" dirty="0" err="1" smtClean="0"/>
+              <a:t>There</a:t>
+            </a:r>
+            <a:r>
+              <a:rPr lang="da-DK" sz="1600" dirty="0" smtClean="0"/>
+              <a:t> </a:t>
+            </a:r>
+            <a:r>
+              <a:rPr lang="da-DK" sz="1600" dirty="0"/>
+              <a:t>is </a:t>
+            </a:r>
+            <a:r>
+              <a:rPr lang="da-DK" sz="1600" dirty="0" err="1"/>
+              <a:t>both</a:t>
+            </a:r>
+            <a:r>
+              <a:rPr lang="da-DK" sz="1600" dirty="0"/>
+              <a:t> a Danish and an English version (with </a:t>
+            </a:r>
+            <a:r>
+              <a:rPr lang="da-DK" sz="1600" dirty="0" err="1"/>
+              <a:t>slightly</a:t>
+            </a:r>
+            <a:r>
+              <a:rPr lang="da-DK" sz="1600" dirty="0"/>
+              <a:t> </a:t>
+            </a:r>
+            <a:r>
+              <a:rPr lang="da-DK" sz="1600" dirty="0" err="1"/>
+              <a:t>different</a:t>
+            </a:r>
+            <a:r>
+              <a:rPr lang="da-DK" sz="1600" dirty="0"/>
+              <a:t> </a:t>
+            </a:r>
+            <a:r>
+              <a:rPr lang="da-DK" sz="1600" dirty="0" err="1"/>
+              <a:t>contents</a:t>
+            </a:r>
+            <a:r>
+              <a:rPr lang="da-DK" sz="1600" dirty="0" smtClean="0"/>
+              <a:t>)</a:t>
+            </a:r>
+          </a:p>
+        </p:txBody>
+      </p:sp>
+      <p:sp>
+        <p:nvSpPr>
+          <p:cNvPr id="8" name="Rectangle 7"/>
+          <p:cNvSpPr/>
+          <p:nvPr/>
+        </p:nvSpPr>
+        <p:spPr bwMode="auto">
+          <a:xfrm>
+            <a:off x="6221046" y="2075125"/>
+            <a:ext cx="2743199" cy="2608193"/>
+          </a:xfrm>
+          <a:prstGeom prst="rect">
+            <a:avLst/>
+          </a:prstGeom>
+          <a:noFill/>
+          <a:ln w="28575" cap="flat" cmpd="sng" algn="ctr">
+            <a:solidFill>
+              <a:srgbClr val="FF0000"/>
+            </a:solidFill>
+            <a:prstDash val="solid"/>
+            <a:round/>
+            <a:headEnd type="none" w="med" len="med"/>
+            <a:tailEnd type="none" w="med" len="med"/>
+          </a:ln>
+          <a:effectLst/>
+          <a:extLst>
+            <a:ext uri="{909E8E84-426E-40DD-AFC4-6F175D3DCCD1}">
+              <a14:hiddenFill xmlns:a14="http://schemas.microsoft.com/office/drawing/2010/main">
+                <a:solidFill>
+                  <a:schemeClr val="accent1"/>
+                </a:solidFill>
+              </a14:hiddenFill>
+            </a:ext>
+            <a:ext uri="{AF507438-7753-43E0-B8FC-AC1667EBCBE1}">
+              <a14:hiddenEffects xmlns:a14="http://schemas.microsoft.com/office/drawing/2010/main">
+                <a:effectLst>
+                  <a:outerShdw blurRad="63500" dist="38099" dir="2700000" algn="ctr" rotWithShape="0">
+                    <a:schemeClr val="bg2">
+                      <a:alpha val="74998"/>
+                    </a:schemeClr>
+                  </a:outerShdw>
+                </a:effectLst>
+              </a14:hiddenEffects>
+            </a:ext>
+          </a:extLst>
+        </p:spPr>
+        <p:txBody>
+          <a:bodyPr vert="horz" wrap="square" lIns="91440" tIns="45720" rIns="91440" bIns="45720" numCol="1" rtlCol="0" anchor="t" anchorCtr="0" compatLnSpc="1">
+            <a:prstTxWarp prst="textNoShape">
+              <a:avLst/>
+            </a:prstTxWarp>
+            <a:spAutoFit/>
+          </a:bodyPr>
+          <a:lstStyle/>
+          <a:p>
+            <a:endParaRPr lang="da-DK" sz="2400">
+              <a:solidFill>
+                <a:srgbClr val="000000"/>
+              </a:solidFill>
+              <a:ea typeface="ＭＳ Ｐゴシック" charset="0"/>
+            </a:endParaRPr>
+          </a:p>
+        </p:txBody>
+      </p:sp>
+      <p:sp>
+        <p:nvSpPr>
+          <p:cNvPr id="21" name="Rectangle 20"/>
+          <p:cNvSpPr/>
+          <p:nvPr/>
+        </p:nvSpPr>
+        <p:spPr bwMode="auto">
+          <a:xfrm>
+            <a:off x="179512" y="3632128"/>
+            <a:ext cx="2735626" cy="3128246"/>
+          </a:xfrm>
+          <a:prstGeom prst="rect">
+            <a:avLst/>
+          </a:prstGeom>
+          <a:noFill/>
+          <a:ln w="28575" cap="flat" cmpd="sng" algn="ctr">
+            <a:solidFill>
+              <a:srgbClr val="FF0000"/>
+            </a:solidFill>
+            <a:prstDash val="solid"/>
+            <a:round/>
+            <a:headEnd type="none" w="med" len="med"/>
+            <a:tailEnd type="none" w="med" len="med"/>
+          </a:ln>
+          <a:effectLst/>
+          <a:extLst>
+            <a:ext uri="{909E8E84-426E-40DD-AFC4-6F175D3DCCD1}">
+              <a14:hiddenFill xmlns:a14="http://schemas.microsoft.com/office/drawing/2010/main">
+                <a:solidFill>
+                  <a:schemeClr val="accent1"/>
+                </a:solidFill>
+              </a14:hiddenFill>
+            </a:ext>
+            <a:ext uri="{AF507438-7753-43E0-B8FC-AC1667EBCBE1}">
+              <a14:hiddenEffects xmlns:a14="http://schemas.microsoft.com/office/drawing/2010/main">
+                <a:effectLst>
+                  <a:outerShdw blurRad="63500" dist="38099" dir="2700000" algn="ctr" rotWithShape="0">
+                    <a:schemeClr val="bg2">
+                      <a:alpha val="74998"/>
+                    </a:schemeClr>
+                  </a:outerShdw>
+                </a:effectLst>
+              </a14:hiddenEffects>
+            </a:ext>
+          </a:extLst>
+        </p:spPr>
+        <p:txBody>
+          <a:bodyPr vert="horz" wrap="square" lIns="91440" tIns="45720" rIns="91440" bIns="45720" numCol="1" rtlCol="0" anchor="t" anchorCtr="0" compatLnSpc="1">
+            <a:prstTxWarp prst="textNoShape">
+              <a:avLst/>
+            </a:prstTxWarp>
+            <a:spAutoFit/>
+          </a:bodyPr>
+          <a:lstStyle/>
+          <a:p>
+            <a:endParaRPr lang="da-DK" sz="2400">
+              <a:solidFill>
+                <a:srgbClr val="000000"/>
+              </a:solidFill>
+              <a:ea typeface="ＭＳ Ｐゴシック" charset="0"/>
+            </a:endParaRPr>
+          </a:p>
+        </p:txBody>
+      </p:sp>
+      <p:sp>
+        <p:nvSpPr>
+          <p:cNvPr id="22" name="Rectangle 21"/>
+          <p:cNvSpPr/>
+          <p:nvPr/>
+        </p:nvSpPr>
+        <p:spPr bwMode="auto">
+          <a:xfrm>
+            <a:off x="3190340" y="3635824"/>
+            <a:ext cx="2772798" cy="3090572"/>
+          </a:xfrm>
+          <a:prstGeom prst="rect">
+            <a:avLst/>
+          </a:prstGeom>
+          <a:noFill/>
+          <a:ln w="28575" cap="flat" cmpd="sng" algn="ctr">
+            <a:solidFill>
+              <a:srgbClr val="FF0000"/>
+            </a:solidFill>
+            <a:prstDash val="solid"/>
+            <a:round/>
+            <a:headEnd type="none" w="med" len="med"/>
+            <a:tailEnd type="none" w="med" len="med"/>
+          </a:ln>
+          <a:effectLst/>
+          <a:extLst>
+            <a:ext uri="{909E8E84-426E-40DD-AFC4-6F175D3DCCD1}">
+              <a14:hiddenFill xmlns:a14="http://schemas.microsoft.com/office/drawing/2010/main">
+                <a:solidFill>
+                  <a:schemeClr val="accent1"/>
+                </a:solidFill>
+              </a14:hiddenFill>
+            </a:ext>
+            <a:ext uri="{AF507438-7753-43E0-B8FC-AC1667EBCBE1}">
+              <a14:hiddenEffects xmlns:a14="http://schemas.microsoft.com/office/drawing/2010/main">
+                <a:effectLst>
+                  <a:outerShdw blurRad="63500" dist="38099" dir="2700000" algn="ctr" rotWithShape="0">
+                    <a:schemeClr val="bg2">
+                      <a:alpha val="74998"/>
+                    </a:schemeClr>
+                  </a:outerShdw>
+                </a:effectLst>
+              </a14:hiddenEffects>
+            </a:ext>
+          </a:extLst>
+        </p:spPr>
+        <p:txBody>
+          <a:bodyPr vert="horz" wrap="square" lIns="91440" tIns="45720" rIns="91440" bIns="45720" numCol="1" rtlCol="0" anchor="t" anchorCtr="0" compatLnSpc="1">
+            <a:prstTxWarp prst="textNoShape">
+              <a:avLst/>
+            </a:prstTxWarp>
+            <a:spAutoFit/>
+          </a:bodyPr>
+          <a:lstStyle/>
+          <a:p>
+            <a:endParaRPr lang="da-DK" sz="2400">
+              <a:solidFill>
+                <a:srgbClr val="000000"/>
+              </a:solidFill>
+              <a:ea typeface="ＭＳ Ｐゴシック" charset="0"/>
+            </a:endParaRPr>
+          </a:p>
+        </p:txBody>
+      </p:sp>
       <p:grpSp>
         <p:nvGrpSpPr>
-          <p:cNvPr id="10" name="Group 9"/>
+          <p:cNvPr id="11" name="Group 10"/>
           <p:cNvGrpSpPr/>
           <p:nvPr/>
         </p:nvGrpSpPr>
         <p:grpSpPr>
           <a:xfrm>
-            <a:off x="619511" y="2056094"/>
-            <a:ext cx="8352928" cy="4734320"/>
-            <a:chOff x="611560" y="2056094"/>
-            <a:chExt cx="8352928" cy="4734320"/>
+            <a:off x="108914" y="2055446"/>
+            <a:ext cx="8926171" cy="4757930"/>
+            <a:chOff x="108914" y="2055446"/>
+            <a:chExt cx="8926171" cy="4757930"/>
           </a:xfrm>
         </p:grpSpPr>
         <p:pic>
           <p:nvPicPr>
-            <p:cNvPr id="7" name="Picture 6"/>
+            <p:cNvPr id="5" name="Picture 4"/>
             <p:cNvPicPr>
               <a:picLocks noChangeAspect="1"/>
             </p:cNvPicPr>
@@ -21086,8 +21347,8 @@
           </p:blipFill>
           <p:spPr>
             <a:xfrm>
-              <a:off x="611560" y="2056094"/>
-              <a:ext cx="8352928" cy="4709773"/>
+              <a:off x="108914" y="2055446"/>
+              <a:ext cx="8926171" cy="4757930"/>
             </a:xfrm>
             <a:prstGeom prst="rect">
               <a:avLst/>
@@ -21096,14 +21357,14 @@
         </p:pic>
         <p:sp>
           <p:nvSpPr>
-            <p:cNvPr id="9" name="Rectangle 8"/>
+            <p:cNvPr id="6" name="Rectangle 5"/>
             <p:cNvSpPr/>
             <p:nvPr/>
           </p:nvSpPr>
           <p:spPr bwMode="auto">
             <a:xfrm>
-              <a:off x="6228184" y="4725144"/>
-              <a:ext cx="2685228" cy="2065270"/>
+              <a:off x="6156176" y="5301208"/>
+              <a:ext cx="2878909" cy="1512168"/>
             </a:xfrm>
             <a:prstGeom prst="rect">
               <a:avLst/>
@@ -21129,7 +21390,7 @@
             </a:fontRef>
           </p:style>
           <p:txBody>
-            <a:bodyPr vert="horz" wrap="square" lIns="91440" tIns="45720" rIns="91440" bIns="45720" numCol="1" rtlCol="0" anchor="t" anchorCtr="0" compatLnSpc="1">
+            <a:bodyPr vert="horz" wrap="none" lIns="91440" tIns="45720" rIns="91440" bIns="45720" numCol="1" rtlCol="0" anchor="t" anchorCtr="0" compatLnSpc="1">
               <a:prstTxWarp prst="textNoShape">
                 <a:avLst/>
               </a:prstTxWarp>
@@ -21153,7 +21414,7 @@
                 <a:buNone/>
                 <a:tabLst/>
               </a:pPr>
-              <a:endParaRPr kumimoji="0" lang="da-DK" sz="2400" b="0" i="0" u="none" strike="noStrike" cap="none" normalizeH="0" baseline="0" dirty="0">
+              <a:endParaRPr kumimoji="0" lang="da-DK" sz="2400" b="0" i="0" u="none" strike="noStrike" cap="none" normalizeH="0" baseline="0">
                 <a:ln>
                   <a:noFill/>
                 </a:ln>
@@ -21168,115 +21429,6 @@
           </p:txBody>
         </p:sp>
       </p:grpSp>
-      <p:sp>
-        <p:nvSpPr>
-          <p:cNvPr id="2" name="Title 1"/>
-          <p:cNvSpPr>
-            <a:spLocks noGrp="1"/>
-          </p:cNvSpPr>
-          <p:nvPr>
-            <p:ph type="title"/>
-          </p:nvPr>
-        </p:nvSpPr>
-        <p:spPr/>
-        <p:txBody>
-          <a:bodyPr/>
-          <a:lstStyle/>
-          <a:p>
-            <a:r>
-              <a:rPr lang="da-DK" dirty="0" smtClean="0"/>
-              <a:t>AU </a:t>
-            </a:r>
-            <a:r>
-              <a:rPr lang="da-DK" dirty="0" err="1" smtClean="0"/>
-              <a:t>Studypedia</a:t>
-            </a:r>
-            <a:r>
-              <a:rPr lang="da-DK" dirty="0" smtClean="0"/>
-              <a:t> (studypedia.au.dk)</a:t>
-            </a:r>
-            <a:endParaRPr lang="da-DK" dirty="0"/>
-          </a:p>
-        </p:txBody>
-      </p:sp>
-      <p:sp>
-        <p:nvSpPr>
-          <p:cNvPr id="3" name="Content Placeholder 2"/>
-          <p:cNvSpPr>
-            <a:spLocks noGrp="1"/>
-          </p:cNvSpPr>
-          <p:nvPr>
-            <p:ph idx="1"/>
-          </p:nvPr>
-        </p:nvSpPr>
-        <p:spPr>
-          <a:xfrm>
-            <a:off x="395536" y="1124745"/>
-            <a:ext cx="8496944" cy="930701"/>
-          </a:xfrm>
-        </p:spPr>
-        <p:txBody>
-          <a:bodyPr/>
-          <a:lstStyle/>
-          <a:p>
-            <a:r>
-              <a:rPr lang="en-US" sz="1800" dirty="0" smtClean="0"/>
-              <a:t>A set of webpages which offers advice, inspiration and exercises in a number of different study related areas</a:t>
-            </a:r>
-          </a:p>
-          <a:p>
-            <a:pPr marL="728663" lvl="1" indent="-271463">
-              <a:spcBef>
-                <a:spcPts val="300"/>
-              </a:spcBef>
-            </a:pPr>
-            <a:r>
-              <a:rPr lang="da-DK" sz="1600" dirty="0" err="1" smtClean="0"/>
-              <a:t>There</a:t>
-            </a:r>
-            <a:r>
-              <a:rPr lang="da-DK" sz="1600" dirty="0" smtClean="0"/>
-              <a:t> </a:t>
-            </a:r>
-            <a:r>
-              <a:rPr lang="da-DK" sz="1600" dirty="0"/>
-              <a:t>is </a:t>
-            </a:r>
-            <a:r>
-              <a:rPr lang="da-DK" sz="1600" dirty="0" err="1"/>
-              <a:t>both</a:t>
-            </a:r>
-            <a:r>
-              <a:rPr lang="da-DK" sz="1600" dirty="0"/>
-              <a:t> a Danish and an English version (with </a:t>
-            </a:r>
-            <a:r>
-              <a:rPr lang="da-DK" sz="1600" dirty="0" err="1"/>
-              <a:t>slightly</a:t>
-            </a:r>
-            <a:r>
-              <a:rPr lang="da-DK" sz="1600" dirty="0"/>
-              <a:t> </a:t>
-            </a:r>
-            <a:r>
-              <a:rPr lang="da-DK" sz="1600" dirty="0" err="1"/>
-              <a:t>different</a:t>
-            </a:r>
-            <a:r>
-              <a:rPr lang="da-DK" sz="1600" dirty="0"/>
-              <a:t> </a:t>
-            </a:r>
-            <a:r>
-              <a:rPr lang="da-DK" sz="1600" dirty="0" err="1"/>
-              <a:t>contents</a:t>
-            </a:r>
-            <a:r>
-              <a:rPr lang="da-DK" sz="1600" dirty="0" smtClean="0"/>
-              <a:t>)</a:t>
-            </a:r>
-          </a:p>
-        </p:txBody>
-      </p:sp>
       <p:sp>
         <p:nvSpPr>
           <p:cNvPr id="4" name="Slide Number Placeholder 3"/>
@@ -21316,7 +21468,7 @@
         </p:nvSpPr>
         <p:spPr bwMode="auto">
           <a:xfrm>
-            <a:off x="6504819" y="5002407"/>
+            <a:off x="6306472" y="5055295"/>
             <a:ext cx="2369216" cy="1117447"/>
           </a:xfrm>
           <a:prstGeom prst="rect">
@@ -21545,198 +21697,6 @@
               <a:solidFill>
                 <a:srgbClr val="0000FF"/>
               </a:solidFill>
-            </a:endParaRPr>
-          </a:p>
-        </p:txBody>
-      </p:sp>
-      <p:sp>
-        <p:nvSpPr>
-          <p:cNvPr id="8" name="Rectangle 7"/>
-          <p:cNvSpPr/>
-          <p:nvPr/>
-        </p:nvSpPr>
-        <p:spPr bwMode="auto">
-          <a:xfrm>
-            <a:off x="6337405" y="2075125"/>
-            <a:ext cx="2576007" cy="2608193"/>
-          </a:xfrm>
-          <a:prstGeom prst="rect">
-            <a:avLst/>
-          </a:prstGeom>
-          <a:noFill/>
-          <a:ln w="28575" cap="flat" cmpd="sng" algn="ctr">
-            <a:solidFill>
-              <a:srgbClr val="FF0000"/>
-            </a:solidFill>
-            <a:prstDash val="solid"/>
-            <a:round/>
-            <a:headEnd type="none" w="med" len="med"/>
-            <a:tailEnd type="none" w="med" len="med"/>
-          </a:ln>
-          <a:effectLst/>
-          <a:extLst>
-            <a:ext uri="{909E8E84-426E-40DD-AFC4-6F175D3DCCD1}">
-              <a14:hiddenFill xmlns:a14="http://schemas.microsoft.com/office/drawing/2010/main">
-                <a:solidFill>
-                  <a:schemeClr val="accent1"/>
-                </a:solidFill>
-              </a14:hiddenFill>
-            </a:ext>
-            <a:ext uri="{AF507438-7753-43E0-B8FC-AC1667EBCBE1}">
-              <a14:hiddenEffects xmlns:a14="http://schemas.microsoft.com/office/drawing/2010/main">
-                <a:effectLst>
-                  <a:outerShdw blurRad="63500" dist="38099" dir="2700000" algn="ctr" rotWithShape="0">
-                    <a:schemeClr val="bg2">
-                      <a:alpha val="74998"/>
-                    </a:schemeClr>
-                  </a:outerShdw>
-                </a:effectLst>
-              </a14:hiddenEffects>
-            </a:ext>
-          </a:extLst>
-        </p:spPr>
-        <p:txBody>
-          <a:bodyPr vert="horz" wrap="square" lIns="91440" tIns="45720" rIns="91440" bIns="45720" numCol="1" rtlCol="0" anchor="t" anchorCtr="0" compatLnSpc="1">
-            <a:prstTxWarp prst="textNoShape">
-              <a:avLst/>
-            </a:prstTxWarp>
-            <a:spAutoFit/>
-          </a:bodyPr>
-          <a:lstStyle/>
-          <a:p>
-            <a:endParaRPr lang="da-DK" sz="2400">
-              <a:solidFill>
-                <a:srgbClr val="000000"/>
-              </a:solidFill>
-              <a:ea typeface="ＭＳ Ｐゴシック" charset="0"/>
-            </a:endParaRPr>
-          </a:p>
-        </p:txBody>
-      </p:sp>
-      <p:sp>
-        <p:nvSpPr>
-          <p:cNvPr id="21" name="Rectangle 20"/>
-          <p:cNvSpPr/>
-          <p:nvPr/>
-        </p:nvSpPr>
-        <p:spPr bwMode="auto">
-          <a:xfrm>
-            <a:off x="684975" y="3590606"/>
-            <a:ext cx="2535303" cy="3128246"/>
-          </a:xfrm>
-          <a:prstGeom prst="rect">
-            <a:avLst/>
-          </a:prstGeom>
-          <a:noFill/>
-          <a:ln w="28575" cap="flat" cmpd="sng" algn="ctr">
-            <a:solidFill>
-              <a:srgbClr val="FF0000"/>
-            </a:solidFill>
-            <a:prstDash val="solid"/>
-            <a:round/>
-            <a:headEnd type="none" w="med" len="med"/>
-            <a:tailEnd type="none" w="med" len="med"/>
-          </a:ln>
-          <a:effectLst/>
-          <a:extLst>
-            <a:ext uri="{909E8E84-426E-40DD-AFC4-6F175D3DCCD1}">
-              <a14:hiddenFill xmlns:a14="http://schemas.microsoft.com/office/drawing/2010/main">
-                <a:solidFill>
-                  <a:schemeClr val="accent1"/>
-                </a:solidFill>
-              </a14:hiddenFill>
-            </a:ext>
-            <a:ext uri="{AF507438-7753-43E0-B8FC-AC1667EBCBE1}">
-              <a14:hiddenEffects xmlns:a14="http://schemas.microsoft.com/office/drawing/2010/main">
-                <a:effectLst>
-                  <a:outerShdw blurRad="63500" dist="38099" dir="2700000" algn="ctr" rotWithShape="0">
-                    <a:schemeClr val="bg2">
-                      <a:alpha val="74998"/>
-                    </a:schemeClr>
-                  </a:outerShdw>
-                </a:effectLst>
-              </a14:hiddenEffects>
-            </a:ext>
-          </a:extLst>
-        </p:spPr>
-        <p:txBody>
-          <a:bodyPr vert="horz" wrap="square" lIns="91440" tIns="45720" rIns="91440" bIns="45720" numCol="1" rtlCol="0" anchor="t" anchorCtr="0" compatLnSpc="1">
-            <a:prstTxWarp prst="textNoShape">
-              <a:avLst/>
-            </a:prstTxWarp>
-            <a:spAutoFit/>
-          </a:bodyPr>
-          <a:lstStyle/>
-          <a:p>
-            <a:endParaRPr lang="da-DK" sz="2400">
-              <a:solidFill>
-                <a:srgbClr val="000000"/>
-              </a:solidFill>
-              <a:ea typeface="ＭＳ Ｐゴシック" charset="0"/>
-            </a:endParaRPr>
-          </a:p>
-        </p:txBody>
-      </p:sp>
-      <p:sp>
-        <p:nvSpPr>
-          <p:cNvPr id="22" name="Rectangle 21"/>
-          <p:cNvSpPr/>
-          <p:nvPr/>
-        </p:nvSpPr>
-        <p:spPr bwMode="auto">
-          <a:xfrm>
-            <a:off x="3502955" y="3612378"/>
-            <a:ext cx="2571842" cy="3090572"/>
-          </a:xfrm>
-          <a:prstGeom prst="rect">
-            <a:avLst/>
-          </a:prstGeom>
-          <a:noFill/>
-          <a:ln w="28575" cap="flat" cmpd="sng" algn="ctr">
-            <a:solidFill>
-              <a:srgbClr val="FF0000"/>
-            </a:solidFill>
-            <a:prstDash val="solid"/>
-            <a:round/>
-            <a:headEnd type="none" w="med" len="med"/>
-            <a:tailEnd type="none" w="med" len="med"/>
-          </a:ln>
-          <a:effectLst/>
-          <a:extLst>
-            <a:ext uri="{909E8E84-426E-40DD-AFC4-6F175D3DCCD1}">
-              <a14:hiddenFill xmlns:a14="http://schemas.microsoft.com/office/drawing/2010/main">
-                <a:solidFill>
-                  <a:schemeClr val="accent1"/>
-                </a:solidFill>
-              </a14:hiddenFill>
-            </a:ext>
-            <a:ext uri="{AF507438-7753-43E0-B8FC-AC1667EBCBE1}">
-              <a14:hiddenEffects xmlns:a14="http://schemas.microsoft.com/office/drawing/2010/main">
-                <a:effectLst>
-                  <a:outerShdw blurRad="63500" dist="38099" dir="2700000" algn="ctr" rotWithShape="0">
-                    <a:schemeClr val="bg2">
-                      <a:alpha val="74998"/>
-                    </a:schemeClr>
-                  </a:outerShdw>
-                </a:effectLst>
-              </a14:hiddenEffects>
-            </a:ext>
-          </a:extLst>
-        </p:spPr>
-        <p:txBody>
-          <a:bodyPr vert="horz" wrap="square" lIns="91440" tIns="45720" rIns="91440" bIns="45720" numCol="1" rtlCol="0" anchor="t" anchorCtr="0" compatLnSpc="1">
-            <a:prstTxWarp prst="textNoShape">
-              <a:avLst/>
-            </a:prstTxWarp>
-            <a:spAutoFit/>
-          </a:bodyPr>
-          <a:lstStyle/>
-          <a:p>
-            <a:endParaRPr lang="da-DK" sz="2400">
-              <a:solidFill>
-                <a:srgbClr val="000000"/>
-              </a:solidFill>
-              <a:ea typeface="ＭＳ Ｐゴシック" charset="0"/>
             </a:endParaRPr>
           </a:p>
         </p:txBody>
@@ -22491,7 +22451,15 @@
             </a:pPr>
             <a:r>
               <a:rPr lang="en-GB" altLang="da-DK" sz="1600" dirty="0" smtClean="0"/>
-              <a:t>Use your bachelor contract to measure your progress</a:t>
+              <a:t>Use your bachelor </a:t>
+            </a:r>
+            <a:r>
+              <a:rPr lang="en-GB" altLang="da-DK" sz="1600" dirty="0" smtClean="0"/>
+              <a:t>project contract </a:t>
+            </a:r>
+            <a:r>
+              <a:rPr lang="en-GB" altLang="da-DK" sz="1600" dirty="0" smtClean="0"/>
+              <a:t>to measure your progress</a:t>
             </a:r>
           </a:p>
           <a:p>

--- a/web/b22/2 Academic Writing.pptx
+++ b/web/b22/2 Academic Writing.pptx
@@ -16171,14 +16171,14 @@
               </a:spcBef>
             </a:pPr>
             <a:r>
-              <a:rPr lang="en-GB" sz="1600" kern="1200" dirty="0" smtClean="0">
+              <a:rPr lang="en-GB" sz="1500" kern="1200" dirty="0" smtClean="0">
                 <a:latin typeface="Arial" pitchFamily="34" charset="0"/>
                 <a:ea typeface="ＭＳ Ｐゴシック" pitchFamily="34" charset="-128"/>
               </a:rPr>
               <a:t>The bachelor report must be handed in no later than </a:t>
             </a:r>
             <a:r>
-              <a:rPr lang="en-GB" sz="1600" b="1" kern="1200" dirty="0" smtClean="0">
+              <a:rPr lang="en-GB" sz="1500" b="1" kern="1200" dirty="0" smtClean="0">
                 <a:solidFill>
                   <a:srgbClr val="008000"/>
                 </a:solidFill>
@@ -16187,7 +16187,7 @@
               </a:rPr>
               <a:t>June 8 at 12 noon</a:t>
             </a:r>
-            <a:endParaRPr lang="en-GB" sz="1600" kern="1200" dirty="0" smtClean="0">
+            <a:endParaRPr lang="en-GB" sz="1500" kern="1200" dirty="0" smtClean="0">
               <a:solidFill>
                 <a:srgbClr val="008000"/>
               </a:solidFill>
@@ -16202,7 +16202,7 @@
               </a:spcBef>
             </a:pPr>
             <a:r>
-              <a:rPr lang="en-GB" sz="1600" kern="1200" dirty="0" smtClean="0">
+              <a:rPr lang="en-GB" sz="1500" kern="1200" dirty="0" smtClean="0">
                 <a:latin typeface="Arial" pitchFamily="34" charset="0"/>
                 <a:ea typeface="ＭＳ Ｐゴシック" pitchFamily="34" charset="-128"/>
               </a:rPr>
@@ -16216,7 +16216,7 @@
               </a:spcBef>
             </a:pPr>
             <a:r>
-              <a:rPr lang="en-GB" b="1" dirty="0">
+              <a:rPr lang="en-GB" sz="1500" b="1" spc="-70" dirty="0">
                 <a:solidFill>
                   <a:srgbClr val="008000"/>
                 </a:solidFill>
@@ -16226,20 +16226,20 @@
               <a:t>Maximum 30 pages</a:t>
             </a:r>
             <a:r>
-              <a:rPr lang="en-GB" dirty="0">
+              <a:rPr lang="en-GB" sz="1500" spc="-70" dirty="0">
                 <a:latin typeface="Arial" pitchFamily="34" charset="0"/>
                 <a:ea typeface="ＭＳ Ｐゴシック" pitchFamily="34" charset="-128"/>
               </a:rPr>
               <a:t> (excluding front page, abstract, table of contents, appendix and </a:t>
             </a:r>
             <a:r>
-              <a:rPr lang="en-GB" dirty="0" smtClean="0">
+              <a:rPr lang="en-GB" sz="1500" spc="-70" dirty="0" smtClean="0">
                 <a:latin typeface="Arial" pitchFamily="34" charset="0"/>
                 <a:ea typeface="ＭＳ Ｐゴシック" pitchFamily="34" charset="-128"/>
               </a:rPr>
               <a:t>references)</a:t>
             </a:r>
-            <a:endParaRPr lang="en-GB" dirty="0">
+            <a:endParaRPr lang="en-GB" sz="1500" spc="-70" dirty="0">
               <a:latin typeface="Arial" pitchFamily="34" charset="0"/>
               <a:ea typeface="ＭＳ Ｐゴシック" pitchFamily="34" charset="-128"/>
             </a:endParaRPr>
@@ -16251,46 +16251,18 @@
               </a:spcBef>
             </a:pPr>
             <a:r>
-              <a:rPr lang="en-GB" dirty="0">
+              <a:rPr lang="en-GB" sz="1500" spc="-70" dirty="0">
                 <a:latin typeface="Arial" pitchFamily="34" charset="0"/>
                 <a:ea typeface="ＭＳ Ｐゴシック" pitchFamily="34" charset="-128"/>
               </a:rPr>
-              <a:t>A standard page is 2.400 characters (including white space, special characters and footnotes)</a:t>
-            </a:r>
-          </a:p>
-          <a:p>
-            <a:pPr marL="1128713" lvl="2" indent="-271463">
-              <a:spcBef>
-                <a:spcPts val="300"/>
-              </a:spcBef>
-            </a:pPr>
-            <a:r>
-              <a:rPr lang="en-GB" spc="-30" dirty="0">
+              <a:t>A standard page is 2.400 characters (including white space, special characters and footnotes</a:t>
+            </a:r>
+            <a:r>
+              <a:rPr lang="en-GB" sz="1500" spc="-70" dirty="0" smtClean="0">
                 <a:latin typeface="Arial" pitchFamily="34" charset="0"/>
                 <a:ea typeface="ＭＳ Ｐゴシック" pitchFamily="34" charset="-128"/>
               </a:rPr>
-              <a:t>Use </a:t>
-            </a:r>
-            <a:r>
-              <a:rPr lang="en-GB" spc="-30" dirty="0" smtClean="0">
-                <a:latin typeface="Arial" pitchFamily="34" charset="0"/>
-                <a:ea typeface="ＭＳ Ｐゴシック" pitchFamily="34" charset="-128"/>
-              </a:rPr>
-              <a:t>an 11 or 12 </a:t>
-            </a:r>
-            <a:r>
-              <a:rPr lang="en-GB" spc="-30" dirty="0">
-                <a:latin typeface="Arial" pitchFamily="34" charset="0"/>
-                <a:ea typeface="ＭＳ Ｐゴシック" pitchFamily="34" charset="-128"/>
-              </a:rPr>
-              <a:t>point font, e.g. Times New </a:t>
-            </a:r>
-            <a:r>
-              <a:rPr lang="en-GB" spc="-30" dirty="0" smtClean="0">
-                <a:latin typeface="Arial" pitchFamily="34" charset="0"/>
-                <a:ea typeface="ＭＳ Ｐゴシック" pitchFamily="34" charset="-128"/>
-              </a:rPr>
-              <a:t>Roman with 1,25 line spacing</a:t>
+              <a:t>)</a:t>
             </a:r>
           </a:p>
           <a:p>
@@ -16300,70 +16272,136 @@
               </a:spcBef>
             </a:pPr>
             <a:r>
-              <a:rPr lang="en-GB" spc="-30" dirty="0" smtClean="0">
-                <a:latin typeface="Arial" pitchFamily="34" charset="0"/>
-                <a:ea typeface="ＭＳ Ｐゴシック" pitchFamily="34" charset="-128"/>
-              </a:rPr>
-              <a:t>Use a </a:t>
-            </a:r>
-            <a:r>
-              <a:rPr lang="en-GB" b="1" spc="-30" dirty="0" smtClean="0">
-                <a:latin typeface="Arial" pitchFamily="34" charset="0"/>
-                <a:ea typeface="ＭＳ Ｐゴシック" pitchFamily="34" charset="-128"/>
-              </a:rPr>
-              <a:t>single</a:t>
-            </a:r>
-            <a:r>
-              <a:rPr lang="en-GB" spc="-30" dirty="0" smtClean="0">
-                <a:latin typeface="Arial" pitchFamily="34" charset="0"/>
-                <a:ea typeface="ＭＳ Ｐゴシック" pitchFamily="34" charset="-128"/>
-              </a:rPr>
-              <a:t> column (not two as some journals demand)</a:t>
-            </a:r>
-            <a:endParaRPr lang="en-GB" spc="-30" dirty="0">
+              <a:rPr lang="en-US" sz="1500" dirty="0"/>
+              <a:t>Graphs, tables and other figures also count (if you, e.g., use half a page for one of these, you can only have </a:t>
+            </a:r>
+            <a:r>
+              <a:rPr lang="en-US" sz="1500"/>
+              <a:t>1200 </a:t>
+            </a:r>
+            <a:r>
+              <a:rPr lang="en-US" sz="1500" smtClean="0"/>
+              <a:t>characters </a:t>
+            </a:r>
+            <a:r>
+              <a:rPr lang="en-US" sz="1500" dirty="0"/>
+              <a:t>on the rest of the page</a:t>
+            </a:r>
+            <a:r>
+              <a:rPr lang="en-US" sz="1500" dirty="0" smtClean="0"/>
+              <a:t>).</a:t>
+            </a:r>
+            <a:endParaRPr lang="en-GB" sz="1500" dirty="0">
               <a:latin typeface="Arial" pitchFamily="34" charset="0"/>
               <a:ea typeface="ＭＳ Ｐゴシック" pitchFamily="34" charset="-128"/>
             </a:endParaRPr>
           </a:p>
           <a:p>
-            <a:pPr marL="728663" lvl="1" indent="-271463">
+            <a:pPr marL="1128713" lvl="2" indent="-271463">
               <a:spcBef>
                 <a:spcPts val="300"/>
               </a:spcBef>
             </a:pPr>
             <a:r>
-              <a:rPr lang="en-GB" sz="1600" dirty="0" smtClean="0">
+              <a:rPr lang="en-GB" sz="1500" spc="-30" dirty="0">
                 <a:latin typeface="Arial" pitchFamily="34" charset="0"/>
                 <a:ea typeface="ＭＳ Ｐゴシック" pitchFamily="34" charset="-128"/>
               </a:rPr>
-              <a:t>Language</a:t>
-            </a:r>
-          </a:p>
-          <a:p>
-            <a:pPr marL="1128713" lvl="2" indent="-271463">
-              <a:spcBef>
-                <a:spcPts val="200"/>
-              </a:spcBef>
-            </a:pPr>
-            <a:r>
-              <a:rPr lang="en-GB" dirty="0" smtClean="0">
+              <a:t>Use </a:t>
+            </a:r>
+            <a:r>
+              <a:rPr lang="en-GB" sz="1500" spc="-30" dirty="0" smtClean="0">
                 <a:latin typeface="Arial" pitchFamily="34" charset="0"/>
                 <a:ea typeface="ＭＳ Ｐゴシック" pitchFamily="34" charset="-128"/>
               </a:rPr>
-              <a:t>The report may be written in Danish or English</a:t>
-            </a:r>
-          </a:p>
-          <a:p>
-            <a:pPr marL="1128713" lvl="2" indent="-271463">
-              <a:spcBef>
-                <a:spcPts val="200"/>
-              </a:spcBef>
-            </a:pPr>
-            <a:r>
-              <a:rPr lang="en-GB" dirty="0" smtClean="0">
+              <a:t>an 11 or 12 </a:t>
+            </a:r>
+            <a:r>
+              <a:rPr lang="en-GB" sz="1500" spc="-30" dirty="0">
                 <a:latin typeface="Arial" pitchFamily="34" charset="0"/>
                 <a:ea typeface="ＭＳ Ｐゴシック" pitchFamily="34" charset="-128"/>
               </a:rPr>
+              <a:t>point font, e.g. Times New </a:t>
+            </a:r>
+            <a:r>
+              <a:rPr lang="en-GB" sz="1500" spc="-30" dirty="0" smtClean="0">
+                <a:latin typeface="Arial" pitchFamily="34" charset="0"/>
+                <a:ea typeface="ＭＳ Ｐゴシック" pitchFamily="34" charset="-128"/>
+              </a:rPr>
+              <a:t>Roman with 1,25 line spacing</a:t>
+            </a:r>
+          </a:p>
+          <a:p>
+            <a:pPr marL="1128713" lvl="2" indent="-271463">
+              <a:spcBef>
+                <a:spcPts val="300"/>
+              </a:spcBef>
+            </a:pPr>
+            <a:r>
+              <a:rPr lang="en-GB" sz="1500" spc="-30" dirty="0" smtClean="0">
+                <a:latin typeface="Arial" pitchFamily="34" charset="0"/>
+                <a:ea typeface="ＭＳ Ｐゴシック" pitchFamily="34" charset="-128"/>
+              </a:rPr>
+              <a:t>Use a </a:t>
+            </a:r>
+            <a:r>
+              <a:rPr lang="en-GB" sz="1500" b="1" spc="-30" dirty="0" smtClean="0">
+                <a:latin typeface="Arial" pitchFamily="34" charset="0"/>
+                <a:ea typeface="ＭＳ Ｐゴシック" pitchFamily="34" charset="-128"/>
+              </a:rPr>
+              <a:t>single</a:t>
+            </a:r>
+            <a:r>
+              <a:rPr lang="en-GB" sz="1500" spc="-30" dirty="0" smtClean="0">
+                <a:latin typeface="Arial" pitchFamily="34" charset="0"/>
+                <a:ea typeface="ＭＳ Ｐゴシック" pitchFamily="34" charset="-128"/>
+              </a:rPr>
+              <a:t> column (not two as some journals demand)</a:t>
+            </a:r>
+            <a:endParaRPr lang="en-GB" sz="1500" spc="-30" dirty="0">
+              <a:latin typeface="Arial" pitchFamily="34" charset="0"/>
+              <a:ea typeface="ＭＳ Ｐゴシック" pitchFamily="34" charset="-128"/>
+            </a:endParaRPr>
+          </a:p>
+          <a:p>
+            <a:pPr marL="728663" lvl="1" indent="-271463">
+              <a:spcBef>
+                <a:spcPts val="300"/>
+              </a:spcBef>
+            </a:pPr>
+            <a:r>
+              <a:rPr lang="en-GB" sz="1500" dirty="0" smtClean="0">
+                <a:latin typeface="Arial" pitchFamily="34" charset="0"/>
+                <a:ea typeface="ＭＳ Ｐゴシック" pitchFamily="34" charset="-128"/>
+              </a:rPr>
+              <a:t>Language</a:t>
+            </a:r>
+          </a:p>
+          <a:p>
+            <a:pPr marL="1128713" lvl="2" indent="-271463">
+              <a:spcBef>
+                <a:spcPts val="200"/>
+              </a:spcBef>
+            </a:pPr>
+            <a:r>
+              <a:rPr lang="en-GB" sz="1500" dirty="0" smtClean="0">
+                <a:latin typeface="Arial" pitchFamily="34" charset="0"/>
+                <a:ea typeface="ＭＳ Ｐゴシック" pitchFamily="34" charset="-128"/>
+              </a:rPr>
+              <a:t>The report may be written in Danish or English</a:t>
+            </a:r>
+          </a:p>
+          <a:p>
+            <a:pPr marL="1128713" lvl="2" indent="-271463">
+              <a:spcBef>
+                <a:spcPts val="200"/>
+              </a:spcBef>
+            </a:pPr>
+            <a:r>
+              <a:rPr lang="en-GB" sz="1500" dirty="0" smtClean="0">
+                <a:latin typeface="Arial" pitchFamily="34" charset="0"/>
+                <a:ea typeface="ＭＳ Ｐゴシック" pitchFamily="34" charset="-128"/>
+              </a:rPr>
               <a:t>There must be both a Danish and English title – but the Danish title (or part of it) may be identical to the English title</a:t>
             </a:r>
           </a:p>
@@ -16374,7 +16412,7 @@
               </a:spcBef>
             </a:pPr>
             <a:r>
-              <a:rPr lang="en-GB" spc="-40" dirty="0" smtClean="0">
+              <a:rPr lang="en-GB" sz="1500" spc="-40" dirty="0" smtClean="0">
                 <a:latin typeface="Arial" pitchFamily="34" charset="0"/>
                 <a:ea typeface="ＭＳ Ｐゴシック" pitchFamily="34" charset="-128"/>
               </a:rPr>
@@ -16407,14 +16445,14 @@
               </a:spcBef>
             </a:pPr>
             <a:r>
-              <a:rPr lang="en-GB" sz="1600" kern="1200" dirty="0" smtClean="0">
+              <a:rPr lang="en-GB" sz="1500" kern="1200" dirty="0" smtClean="0">
                 <a:latin typeface="Arial" pitchFamily="34" charset="0"/>
                 <a:ea typeface="ＭＳ Ｐゴシック" pitchFamily="34" charset="-128"/>
               </a:rPr>
               <a:t>The report is the basis for an </a:t>
             </a:r>
             <a:r>
-              <a:rPr lang="en-GB" sz="1600" b="1" kern="1200" dirty="0" smtClean="0">
+              <a:rPr lang="en-GB" sz="1500" b="1" kern="1200" dirty="0" smtClean="0">
                 <a:solidFill>
                   <a:srgbClr val="008000"/>
                 </a:solidFill>
@@ -16424,14 +16462,14 @@
               <a:t>individual 30 minutes' oral exam</a:t>
             </a:r>
             <a:r>
-              <a:rPr lang="en-GB" sz="1600" kern="1200" dirty="0" smtClean="0">
+              <a:rPr lang="en-GB" sz="1500" kern="1200" dirty="0" smtClean="0">
                 <a:latin typeface="Arial" pitchFamily="34" charset="0"/>
                 <a:ea typeface="ＭＳ Ｐゴシック" pitchFamily="34" charset="-128"/>
               </a:rPr>
               <a:t>, where you </a:t>
             </a:r>
             <a:r>
-              <a:rPr lang="en-GB" sz="1600" b="1" kern="1200" dirty="0" smtClean="0">
+              <a:rPr lang="en-GB" sz="1500" b="1" kern="1200" dirty="0" smtClean="0">
                 <a:solidFill>
                   <a:srgbClr val="008000"/>
                 </a:solidFill>
@@ -16441,14 +16479,14 @@
               <a:t>present</a:t>
             </a:r>
             <a:r>
-              <a:rPr lang="en-GB" sz="1600" kern="1200" dirty="0" smtClean="0">
+              <a:rPr lang="en-GB" sz="1500" kern="1200" dirty="0" smtClean="0">
                 <a:latin typeface="Arial" pitchFamily="34" charset="0"/>
                 <a:ea typeface="ＭＳ Ｐゴシック" pitchFamily="34" charset="-128"/>
               </a:rPr>
               <a:t> the findings of your bachelor project </a:t>
             </a:r>
             <a:r>
-              <a:rPr lang="en-GB" sz="1600" b="1" kern="1200" dirty="0" smtClean="0">
+              <a:rPr lang="en-GB" sz="1500" b="1" kern="1200" dirty="0" smtClean="0">
                 <a:solidFill>
                   <a:srgbClr val="008000"/>
                 </a:solidFill>
@@ -16465,14 +16503,14 @@
               </a:spcBef>
             </a:pPr>
             <a:r>
-              <a:rPr lang="en-GB" sz="1600" kern="1200" dirty="0" smtClean="0">
+              <a:rPr lang="en-GB" sz="1500" kern="1200" dirty="0" smtClean="0">
                 <a:latin typeface="Arial" pitchFamily="34" charset="0"/>
                 <a:ea typeface="ＭＳ Ｐゴシック" pitchFamily="34" charset="-128"/>
               </a:rPr>
               <a:t>A </a:t>
             </a:r>
             <a:r>
-              <a:rPr lang="en-GB" sz="1600" b="1" kern="1200" dirty="0" smtClean="0">
+              <a:rPr lang="en-GB" sz="1500" b="1" kern="1200" dirty="0" smtClean="0">
                 <a:solidFill>
                   <a:srgbClr val="008000"/>
                 </a:solidFill>
@@ -16482,7 +16520,7 @@
               <a:t>common grade</a:t>
             </a:r>
             <a:r>
-              <a:rPr lang="en-GB" sz="1600" kern="1200" dirty="0" smtClean="0">
+              <a:rPr lang="en-GB" sz="1500" kern="1200" dirty="0" smtClean="0">
                 <a:latin typeface="Arial" pitchFamily="34" charset="0"/>
                 <a:ea typeface="ＭＳ Ｐゴシック" pitchFamily="34" charset="-128"/>
               </a:rPr>
@@ -16496,7 +16534,7 @@
               </a:spcBef>
             </a:pPr>
             <a:r>
-              <a:rPr lang="en-GB" sz="1600" kern="1200" spc="-60" dirty="0" smtClean="0">
+              <a:rPr lang="en-GB" sz="1500" kern="1200" spc="-60" dirty="0" smtClean="0">
                 <a:latin typeface="Arial" pitchFamily="34" charset="0"/>
                 <a:ea typeface="ＭＳ Ｐゴシック" pitchFamily="34" charset="-128"/>
               </a:rPr>
@@ -16510,20 +16548,20 @@
               </a:spcBef>
             </a:pPr>
             <a:r>
-              <a:rPr lang="en-GB" sz="1600" kern="1200" dirty="0" smtClean="0">
+              <a:rPr lang="en-GB" sz="1500" kern="1200" dirty="0" smtClean="0">
                 <a:latin typeface="Arial" pitchFamily="34" charset="0"/>
                 <a:ea typeface="ＭＳ Ｐゴシック" pitchFamily="34" charset="-128"/>
               </a:rPr>
               <a:t>If you do not pass, it is possible to resubmit a revised version of the report no</a:t>
             </a:r>
             <a:br>
-              <a:rPr lang="en-GB" sz="1600" kern="1200" dirty="0" smtClean="0">
+              <a:rPr lang="en-GB" sz="1500" kern="1200" dirty="0" smtClean="0">
                 <a:latin typeface="Arial" pitchFamily="34" charset="0"/>
                 <a:ea typeface="ＭＳ Ｐゴシック" pitchFamily="34" charset="-128"/>
               </a:rPr>
             </a:br>
             <a:r>
-              <a:rPr lang="en-GB" sz="1600" kern="1200" dirty="0" smtClean="0">
+              <a:rPr lang="en-GB" sz="1500" kern="1200" dirty="0" smtClean="0">
                 <a:latin typeface="Arial" pitchFamily="34" charset="0"/>
                 <a:ea typeface="ＭＳ Ｐゴシック" pitchFamily="34" charset="-128"/>
               </a:rPr>
@@ -20002,11 +20040,7 @@
             </a:r>
             <a:r>
               <a:rPr lang="en-US" sz="1600" dirty="0" smtClean="0"/>
-              <a:t> or EndNote) </a:t>
-            </a:r>
-            <a:r>
-              <a:rPr lang="en-US" sz="1600" dirty="0" smtClean="0"/>
-              <a:t>when </a:t>
+              <a:t> or EndNote) when </a:t>
             </a:r>
             <a:r>
               <a:rPr lang="en-US" sz="1600" dirty="0"/>
@@ -22451,15 +22485,7 @@
             </a:pPr>
             <a:r>
               <a:rPr lang="en-GB" altLang="da-DK" sz="1600" dirty="0" smtClean="0"/>
-              <a:t>Use your bachelor </a:t>
-            </a:r>
-            <a:r>
-              <a:rPr lang="en-GB" altLang="da-DK" sz="1600" dirty="0" smtClean="0"/>
-              <a:t>project contract </a:t>
-            </a:r>
-            <a:r>
-              <a:rPr lang="en-GB" altLang="da-DK" sz="1600" dirty="0" smtClean="0"/>
-              <a:t>to measure your progress</a:t>
+              <a:t>Use your bachelor project contract to measure your progress</a:t>
             </a:r>
           </a:p>
           <a:p>

--- a/web/b22/2 Academic Writing.pptx
+++ b/web/b22/2 Academic Writing.pptx
@@ -21050,321 +21050,212 @@
           <a:chExt cx="0" cy="0"/>
         </a:xfrm>
       </p:grpSpPr>
-      <p:sp>
-        <p:nvSpPr>
-          <p:cNvPr id="2" name="Title 1"/>
-          <p:cNvSpPr>
-            <a:spLocks noGrp="1"/>
-          </p:cNvSpPr>
-          <p:nvPr>
-            <p:ph type="title"/>
-          </p:nvPr>
-        </p:nvSpPr>
-        <p:spPr/>
-        <p:txBody>
-          <a:bodyPr/>
-          <a:lstStyle/>
-          <a:p>
-            <a:r>
-              <a:rPr lang="da-DK" dirty="0" smtClean="0"/>
-              <a:t>AU </a:t>
-            </a:r>
-            <a:r>
-              <a:rPr lang="da-DK" dirty="0" err="1" smtClean="0"/>
-              <a:t>Studypedia</a:t>
-            </a:r>
-            <a:r>
-              <a:rPr lang="da-DK" dirty="0" smtClean="0"/>
-              <a:t> (studypedia.au.dk)</a:t>
-            </a:r>
-            <a:endParaRPr lang="da-DK" dirty="0"/>
-          </a:p>
-        </p:txBody>
-      </p:sp>
-      <p:sp>
-        <p:nvSpPr>
-          <p:cNvPr id="3" name="Content Placeholder 2"/>
-          <p:cNvSpPr>
-            <a:spLocks noGrp="1"/>
-          </p:cNvSpPr>
-          <p:nvPr>
-            <p:ph idx="1"/>
-          </p:nvPr>
-        </p:nvSpPr>
-        <p:spPr>
-          <a:xfrm>
-            <a:off x="395536" y="1124745"/>
-            <a:ext cx="8496944" cy="930701"/>
-          </a:xfrm>
-        </p:spPr>
-        <p:txBody>
-          <a:bodyPr/>
-          <a:lstStyle/>
-          <a:p>
-            <a:r>
-              <a:rPr lang="en-US" sz="1800" dirty="0" smtClean="0"/>
-              <a:t>A set of webpages which offers advice, inspiration and exercises in a number of different study related areas</a:t>
-            </a:r>
-          </a:p>
-          <a:p>
-            <a:pPr marL="728663" lvl="1" indent="-271463">
-              <a:spcBef>
-                <a:spcPts val="300"/>
-              </a:spcBef>
-            </a:pPr>
-            <a:r>
-              <a:rPr lang="da-DK" sz="1600" dirty="0" err="1" smtClean="0"/>
-              <a:t>There</a:t>
-            </a:r>
-            <a:r>
-              <a:rPr lang="da-DK" sz="1600" dirty="0" smtClean="0"/>
-              <a:t> </a:t>
-            </a:r>
-            <a:r>
-              <a:rPr lang="da-DK" sz="1600" dirty="0"/>
-              <a:t>is </a:t>
-            </a:r>
-            <a:r>
-              <a:rPr lang="da-DK" sz="1600" dirty="0" err="1"/>
-              <a:t>both</a:t>
-            </a:r>
-            <a:r>
-              <a:rPr lang="da-DK" sz="1600" dirty="0"/>
-              <a:t> a Danish and an English version (with </a:t>
-            </a:r>
-            <a:r>
-              <a:rPr lang="da-DK" sz="1600" dirty="0" err="1"/>
-              <a:t>slightly</a:t>
-            </a:r>
-            <a:r>
-              <a:rPr lang="da-DK" sz="1600" dirty="0"/>
-              <a:t> </a:t>
-            </a:r>
-            <a:r>
-              <a:rPr lang="da-DK" sz="1600" dirty="0" err="1"/>
-              <a:t>different</a:t>
-            </a:r>
-            <a:r>
-              <a:rPr lang="da-DK" sz="1600" dirty="0"/>
-              <a:t> </a:t>
-            </a:r>
-            <a:r>
-              <a:rPr lang="da-DK" sz="1600" dirty="0" err="1"/>
-              <a:t>contents</a:t>
-            </a:r>
-            <a:r>
-              <a:rPr lang="da-DK" sz="1600" dirty="0" smtClean="0"/>
-              <a:t>)</a:t>
-            </a:r>
-          </a:p>
-        </p:txBody>
-      </p:sp>
-      <p:sp>
-        <p:nvSpPr>
-          <p:cNvPr id="8" name="Rectangle 7"/>
-          <p:cNvSpPr/>
-          <p:nvPr/>
-        </p:nvSpPr>
-        <p:spPr bwMode="auto">
-          <a:xfrm>
-            <a:off x="6221046" y="2075125"/>
-            <a:ext cx="2743199" cy="2608193"/>
-          </a:xfrm>
-          <a:prstGeom prst="rect">
-            <a:avLst/>
-          </a:prstGeom>
-          <a:noFill/>
-          <a:ln w="28575" cap="flat" cmpd="sng" algn="ctr">
-            <a:solidFill>
-              <a:srgbClr val="FF0000"/>
-            </a:solidFill>
-            <a:prstDash val="solid"/>
-            <a:round/>
-            <a:headEnd type="none" w="med" len="med"/>
-            <a:tailEnd type="none" w="med" len="med"/>
-          </a:ln>
-          <a:effectLst/>
-          <a:extLst>
-            <a:ext uri="{909E8E84-426E-40DD-AFC4-6F175D3DCCD1}">
-              <a14:hiddenFill xmlns:a14="http://schemas.microsoft.com/office/drawing/2010/main">
-                <a:solidFill>
-                  <a:schemeClr val="accent1"/>
-                </a:solidFill>
-              </a14:hiddenFill>
-            </a:ext>
-            <a:ext uri="{AF507438-7753-43E0-B8FC-AC1667EBCBE1}">
-              <a14:hiddenEffects xmlns:a14="http://schemas.microsoft.com/office/drawing/2010/main">
-                <a:effectLst>
-                  <a:outerShdw blurRad="63500" dist="38099" dir="2700000" algn="ctr" rotWithShape="0">
-                    <a:schemeClr val="bg2">
-                      <a:alpha val="74998"/>
-                    </a:schemeClr>
-                  </a:outerShdw>
-                </a:effectLst>
-              </a14:hiddenEffects>
-            </a:ext>
-          </a:extLst>
-        </p:spPr>
-        <p:txBody>
-          <a:bodyPr vert="horz" wrap="square" lIns="91440" tIns="45720" rIns="91440" bIns="45720" numCol="1" rtlCol="0" anchor="t" anchorCtr="0" compatLnSpc="1">
-            <a:prstTxWarp prst="textNoShape">
-              <a:avLst/>
-            </a:prstTxWarp>
-            <a:spAutoFit/>
-          </a:bodyPr>
-          <a:lstStyle/>
-          <a:p>
-            <a:endParaRPr lang="da-DK" sz="2400">
-              <a:solidFill>
-                <a:srgbClr val="000000"/>
-              </a:solidFill>
-              <a:ea typeface="ＭＳ Ｐゴシック" charset="0"/>
-            </a:endParaRPr>
-          </a:p>
-        </p:txBody>
-      </p:sp>
-      <p:sp>
-        <p:nvSpPr>
-          <p:cNvPr id="21" name="Rectangle 20"/>
-          <p:cNvSpPr/>
-          <p:nvPr/>
-        </p:nvSpPr>
-        <p:spPr bwMode="auto">
-          <a:xfrm>
-            <a:off x="179512" y="3632128"/>
-            <a:ext cx="2735626" cy="3128246"/>
-          </a:xfrm>
-          <a:prstGeom prst="rect">
-            <a:avLst/>
-          </a:prstGeom>
-          <a:noFill/>
-          <a:ln w="28575" cap="flat" cmpd="sng" algn="ctr">
-            <a:solidFill>
-              <a:srgbClr val="FF0000"/>
-            </a:solidFill>
-            <a:prstDash val="solid"/>
-            <a:round/>
-            <a:headEnd type="none" w="med" len="med"/>
-            <a:tailEnd type="none" w="med" len="med"/>
-          </a:ln>
-          <a:effectLst/>
-          <a:extLst>
-            <a:ext uri="{909E8E84-426E-40DD-AFC4-6F175D3DCCD1}">
-              <a14:hiddenFill xmlns:a14="http://schemas.microsoft.com/office/drawing/2010/main">
-                <a:solidFill>
-                  <a:schemeClr val="accent1"/>
-                </a:solidFill>
-              </a14:hiddenFill>
-            </a:ext>
-            <a:ext uri="{AF507438-7753-43E0-B8FC-AC1667EBCBE1}">
-              <a14:hiddenEffects xmlns:a14="http://schemas.microsoft.com/office/drawing/2010/main">
-                <a:effectLst>
-                  <a:outerShdw blurRad="63500" dist="38099" dir="2700000" algn="ctr" rotWithShape="0">
-                    <a:schemeClr val="bg2">
-                      <a:alpha val="74998"/>
-                    </a:schemeClr>
-                  </a:outerShdw>
-                </a:effectLst>
-              </a14:hiddenEffects>
-            </a:ext>
-          </a:extLst>
-        </p:spPr>
-        <p:txBody>
-          <a:bodyPr vert="horz" wrap="square" lIns="91440" tIns="45720" rIns="91440" bIns="45720" numCol="1" rtlCol="0" anchor="t" anchorCtr="0" compatLnSpc="1">
-            <a:prstTxWarp prst="textNoShape">
-              <a:avLst/>
-            </a:prstTxWarp>
-            <a:spAutoFit/>
-          </a:bodyPr>
-          <a:lstStyle/>
-          <a:p>
-            <a:endParaRPr lang="da-DK" sz="2400">
-              <a:solidFill>
-                <a:srgbClr val="000000"/>
-              </a:solidFill>
-              <a:ea typeface="ＭＳ Ｐゴシック" charset="0"/>
-            </a:endParaRPr>
-          </a:p>
-        </p:txBody>
-      </p:sp>
-      <p:sp>
-        <p:nvSpPr>
-          <p:cNvPr id="22" name="Rectangle 21"/>
-          <p:cNvSpPr/>
-          <p:nvPr/>
-        </p:nvSpPr>
-        <p:spPr bwMode="auto">
-          <a:xfrm>
-            <a:off x="3190340" y="3635824"/>
-            <a:ext cx="2772798" cy="3090572"/>
-          </a:xfrm>
-          <a:prstGeom prst="rect">
-            <a:avLst/>
-          </a:prstGeom>
-          <a:noFill/>
-          <a:ln w="28575" cap="flat" cmpd="sng" algn="ctr">
-            <a:solidFill>
-              <a:srgbClr val="FF0000"/>
-            </a:solidFill>
-            <a:prstDash val="solid"/>
-            <a:round/>
-            <a:headEnd type="none" w="med" len="med"/>
-            <a:tailEnd type="none" w="med" len="med"/>
-          </a:ln>
-          <a:effectLst/>
-          <a:extLst>
-            <a:ext uri="{909E8E84-426E-40DD-AFC4-6F175D3DCCD1}">
-              <a14:hiddenFill xmlns:a14="http://schemas.microsoft.com/office/drawing/2010/main">
-                <a:solidFill>
-                  <a:schemeClr val="accent1"/>
-                </a:solidFill>
-              </a14:hiddenFill>
-            </a:ext>
-            <a:ext uri="{AF507438-7753-43E0-B8FC-AC1667EBCBE1}">
-              <a14:hiddenEffects xmlns:a14="http://schemas.microsoft.com/office/drawing/2010/main">
-                <a:effectLst>
-                  <a:outerShdw blurRad="63500" dist="38099" dir="2700000" algn="ctr" rotWithShape="0">
-                    <a:schemeClr val="bg2">
-                      <a:alpha val="74998"/>
-                    </a:schemeClr>
-                  </a:outerShdw>
-                </a:effectLst>
-              </a14:hiddenEffects>
-            </a:ext>
-          </a:extLst>
-        </p:spPr>
-        <p:txBody>
-          <a:bodyPr vert="horz" wrap="square" lIns="91440" tIns="45720" rIns="91440" bIns="45720" numCol="1" rtlCol="0" anchor="t" anchorCtr="0" compatLnSpc="1">
-            <a:prstTxWarp prst="textNoShape">
-              <a:avLst/>
-            </a:prstTxWarp>
-            <a:spAutoFit/>
-          </a:bodyPr>
-          <a:lstStyle/>
-          <a:p>
-            <a:endParaRPr lang="da-DK" sz="2400">
-              <a:solidFill>
-                <a:srgbClr val="000000"/>
-              </a:solidFill>
-              <a:ea typeface="ＭＳ Ｐゴシック" charset="0"/>
-            </a:endParaRPr>
-          </a:p>
-        </p:txBody>
-      </p:sp>
       <p:grpSp>
         <p:nvGrpSpPr>
-          <p:cNvPr id="11" name="Group 10"/>
+          <p:cNvPr id="7" name="Group 6"/>
           <p:cNvGrpSpPr/>
           <p:nvPr/>
         </p:nvGrpSpPr>
         <p:grpSpPr>
           <a:xfrm>
-            <a:off x="108914" y="2055446"/>
-            <a:ext cx="8926171" cy="4757930"/>
-            <a:chOff x="108914" y="2055446"/>
-            <a:chExt cx="8926171" cy="4757930"/>
+            <a:off x="95416" y="2055446"/>
+            <a:ext cx="8939669" cy="4757930"/>
+            <a:chOff x="95416" y="2055446"/>
+            <a:chExt cx="8939669" cy="4757930"/>
           </a:xfrm>
         </p:grpSpPr>
+        <p:sp>
+          <p:nvSpPr>
+            <p:cNvPr id="8" name="Rectangle 7"/>
+            <p:cNvSpPr/>
+            <p:nvPr/>
+          </p:nvSpPr>
+          <p:spPr bwMode="auto">
+            <a:xfrm>
+              <a:off x="6221046" y="2075125"/>
+              <a:ext cx="2743199" cy="2608193"/>
+            </a:xfrm>
+            <a:prstGeom prst="rect">
+              <a:avLst/>
+            </a:prstGeom>
+            <a:noFill/>
+            <a:ln w="28575" cap="flat" cmpd="sng" algn="ctr">
+              <a:solidFill>
+                <a:srgbClr val="FF0000"/>
+              </a:solidFill>
+              <a:prstDash val="solid"/>
+              <a:round/>
+              <a:headEnd type="none" w="med" len="med"/>
+              <a:tailEnd type="none" w="med" len="med"/>
+            </a:ln>
+            <a:effectLst/>
+            <a:extLst>
+              <a:ext uri="{909E8E84-426E-40DD-AFC4-6F175D3DCCD1}">
+                <a14:hiddenFill xmlns:a14="http://schemas.microsoft.com/office/drawing/2010/main">
+                  <a:solidFill>
+                    <a:schemeClr val="accent1"/>
+                  </a:solidFill>
+                </a14:hiddenFill>
+              </a:ext>
+              <a:ext uri="{AF507438-7753-43E0-B8FC-AC1667EBCBE1}">
+                <a14:hiddenEffects xmlns:a14="http://schemas.microsoft.com/office/drawing/2010/main">
+                  <a:effectLst>
+                    <a:outerShdw blurRad="63500" dist="38099" dir="2700000" algn="ctr" rotWithShape="0">
+                      <a:schemeClr val="bg2">
+                        <a:alpha val="74998"/>
+                      </a:schemeClr>
+                    </a:outerShdw>
+                  </a:effectLst>
+                </a14:hiddenEffects>
+              </a:ext>
+            </a:extLst>
+          </p:spPr>
+          <p:txBody>
+            <a:bodyPr vert="horz" wrap="square" lIns="91440" tIns="45720" rIns="91440" bIns="45720" numCol="1" rtlCol="0" anchor="t" anchorCtr="0" compatLnSpc="1">
+              <a:prstTxWarp prst="textNoShape">
+                <a:avLst/>
+              </a:prstTxWarp>
+              <a:spAutoFit/>
+            </a:bodyPr>
+            <a:lstStyle/>
+            <a:p>
+              <a:endParaRPr lang="da-DK" sz="2400">
+                <a:solidFill>
+                  <a:srgbClr val="000000"/>
+                </a:solidFill>
+                <a:ea typeface="ＭＳ Ｐゴシック" charset="0"/>
+              </a:endParaRPr>
+            </a:p>
+          </p:txBody>
+        </p:sp>
+        <p:sp>
+          <p:nvSpPr>
+            <p:cNvPr id="21" name="Rectangle 20"/>
+            <p:cNvSpPr/>
+            <p:nvPr/>
+          </p:nvSpPr>
+          <p:spPr bwMode="auto">
+            <a:xfrm>
+              <a:off x="179512" y="3632128"/>
+              <a:ext cx="2735626" cy="3128246"/>
+            </a:xfrm>
+            <a:prstGeom prst="rect">
+              <a:avLst/>
+            </a:prstGeom>
+            <a:noFill/>
+            <a:ln w="28575" cap="flat" cmpd="sng" algn="ctr">
+              <a:solidFill>
+                <a:srgbClr val="FF0000"/>
+              </a:solidFill>
+              <a:prstDash val="solid"/>
+              <a:round/>
+              <a:headEnd type="none" w="med" len="med"/>
+              <a:tailEnd type="none" w="med" len="med"/>
+            </a:ln>
+            <a:effectLst/>
+            <a:extLst>
+              <a:ext uri="{909E8E84-426E-40DD-AFC4-6F175D3DCCD1}">
+                <a14:hiddenFill xmlns:a14="http://schemas.microsoft.com/office/drawing/2010/main">
+                  <a:solidFill>
+                    <a:schemeClr val="accent1"/>
+                  </a:solidFill>
+                </a14:hiddenFill>
+              </a:ext>
+              <a:ext uri="{AF507438-7753-43E0-B8FC-AC1667EBCBE1}">
+                <a14:hiddenEffects xmlns:a14="http://schemas.microsoft.com/office/drawing/2010/main">
+                  <a:effectLst>
+                    <a:outerShdw blurRad="63500" dist="38099" dir="2700000" algn="ctr" rotWithShape="0">
+                      <a:schemeClr val="bg2">
+                        <a:alpha val="74998"/>
+                      </a:schemeClr>
+                    </a:outerShdw>
+                  </a:effectLst>
+                </a14:hiddenEffects>
+              </a:ext>
+            </a:extLst>
+          </p:spPr>
+          <p:txBody>
+            <a:bodyPr vert="horz" wrap="square" lIns="91440" tIns="45720" rIns="91440" bIns="45720" numCol="1" rtlCol="0" anchor="t" anchorCtr="0" compatLnSpc="1">
+              <a:prstTxWarp prst="textNoShape">
+                <a:avLst/>
+              </a:prstTxWarp>
+              <a:spAutoFit/>
+            </a:bodyPr>
+            <a:lstStyle/>
+            <a:p>
+              <a:endParaRPr lang="da-DK" sz="2400">
+                <a:solidFill>
+                  <a:srgbClr val="000000"/>
+                </a:solidFill>
+                <a:ea typeface="ＭＳ Ｐゴシック" charset="0"/>
+              </a:endParaRPr>
+            </a:p>
+          </p:txBody>
+        </p:sp>
+        <p:sp>
+          <p:nvSpPr>
+            <p:cNvPr id="22" name="Rectangle 21"/>
+            <p:cNvSpPr/>
+            <p:nvPr/>
+          </p:nvSpPr>
+          <p:spPr bwMode="auto">
+            <a:xfrm>
+              <a:off x="3190340" y="3635824"/>
+              <a:ext cx="2772798" cy="3090572"/>
+            </a:xfrm>
+            <a:prstGeom prst="rect">
+              <a:avLst/>
+            </a:prstGeom>
+            <a:noFill/>
+            <a:ln w="28575" cap="flat" cmpd="sng" algn="ctr">
+              <a:solidFill>
+                <a:srgbClr val="FF0000"/>
+              </a:solidFill>
+              <a:prstDash val="solid"/>
+              <a:round/>
+              <a:headEnd type="none" w="med" len="med"/>
+              <a:tailEnd type="none" w="med" len="med"/>
+            </a:ln>
+            <a:effectLst/>
+            <a:extLst>
+              <a:ext uri="{909E8E84-426E-40DD-AFC4-6F175D3DCCD1}">
+                <a14:hiddenFill xmlns:a14="http://schemas.microsoft.com/office/drawing/2010/main">
+                  <a:solidFill>
+                    <a:schemeClr val="accent1"/>
+                  </a:solidFill>
+                </a14:hiddenFill>
+              </a:ext>
+              <a:ext uri="{AF507438-7753-43E0-B8FC-AC1667EBCBE1}">
+                <a14:hiddenEffects xmlns:a14="http://schemas.microsoft.com/office/drawing/2010/main">
+                  <a:effectLst>
+                    <a:outerShdw blurRad="63500" dist="38099" dir="2700000" algn="ctr" rotWithShape="0">
+                      <a:schemeClr val="bg2">
+                        <a:alpha val="74998"/>
+                      </a:schemeClr>
+                    </a:outerShdw>
+                  </a:effectLst>
+                </a14:hiddenEffects>
+              </a:ext>
+            </a:extLst>
+          </p:spPr>
+          <p:txBody>
+            <a:bodyPr vert="horz" wrap="square" lIns="91440" tIns="45720" rIns="91440" bIns="45720" numCol="1" rtlCol="0" anchor="t" anchorCtr="0" compatLnSpc="1">
+              <a:prstTxWarp prst="textNoShape">
+                <a:avLst/>
+              </a:prstTxWarp>
+              <a:spAutoFit/>
+            </a:bodyPr>
+            <a:lstStyle/>
+            <a:p>
+              <a:endParaRPr lang="da-DK" sz="2400">
+                <a:solidFill>
+                  <a:srgbClr val="000000"/>
+                </a:solidFill>
+                <a:ea typeface="ＭＳ Ｐゴシック" charset="0"/>
+              </a:endParaRPr>
+            </a:p>
+          </p:txBody>
+        </p:sp>
         <p:pic>
           <p:nvPicPr>
             <p:cNvPr id="5" name="Picture 4"/>
@@ -21462,7 +21353,270 @@
             </a:p>
           </p:txBody>
         </p:sp>
+        <p:sp>
+          <p:nvSpPr>
+            <p:cNvPr id="12" name="Rectangle 11"/>
+            <p:cNvSpPr/>
+            <p:nvPr/>
+          </p:nvSpPr>
+          <p:spPr bwMode="auto">
+            <a:xfrm>
+              <a:off x="95416" y="3594035"/>
+              <a:ext cx="5899867" cy="3204329"/>
+            </a:xfrm>
+            <a:prstGeom prst="rect">
+              <a:avLst/>
+            </a:prstGeom>
+            <a:noFill/>
+            <a:ln>
+              <a:solidFill>
+                <a:srgbClr val="FF0000"/>
+              </a:solidFill>
+              <a:headEnd type="none" w="med" len="med"/>
+              <a:tailEnd type="none" w="med" len="med"/>
+            </a:ln>
+            <a:extLst/>
+          </p:spPr>
+          <p:style>
+            <a:lnRef idx="2">
+              <a:schemeClr val="accent6"/>
+            </a:lnRef>
+            <a:fillRef idx="1">
+              <a:schemeClr val="lt1"/>
+            </a:fillRef>
+            <a:effectRef idx="0">
+              <a:schemeClr val="accent6"/>
+            </a:effectRef>
+            <a:fontRef idx="minor">
+              <a:schemeClr val="dk1"/>
+            </a:fontRef>
+          </p:style>
+          <p:txBody>
+            <a:bodyPr vert="horz" wrap="square" lIns="91440" tIns="45720" rIns="91440" bIns="45720" numCol="1" rtlCol="0" anchor="t" anchorCtr="0" compatLnSpc="1">
+              <a:prstTxWarp prst="textNoShape">
+                <a:avLst/>
+              </a:prstTxWarp>
+              <a:spAutoFit/>
+            </a:bodyPr>
+            <a:lstStyle/>
+            <a:p>
+              <a:pPr marL="0" marR="0" indent="0" algn="l" defTabSz="914400" rtl="0" eaLnBrk="1" fontAlgn="base" latinLnBrk="0" hangingPunct="1">
+                <a:lnSpc>
+                  <a:spcPct val="100000"/>
+                </a:lnSpc>
+                <a:spcBef>
+                  <a:spcPct val="0"/>
+                </a:spcBef>
+                <a:spcAft>
+                  <a:spcPct val="0"/>
+                </a:spcAft>
+                <a:buClrTx/>
+                <a:buSzTx/>
+                <a:buFontTx/>
+                <a:buNone/>
+                <a:tabLst/>
+              </a:pPr>
+              <a:endParaRPr kumimoji="0" lang="da-DK" sz="2400" b="0" i="0" u="none" strike="noStrike" cap="none" normalizeH="0" baseline="0">
+                <a:ln>
+                  <a:noFill/>
+                </a:ln>
+                <a:solidFill>
+                  <a:srgbClr val="000000"/>
+                </a:solidFill>
+                <a:effectLst/>
+                <a:latin typeface="Arial" charset="0"/>
+                <a:ea typeface="ＭＳ Ｐゴシック" charset="0"/>
+              </a:endParaRPr>
+            </a:p>
+          </p:txBody>
+        </p:sp>
+        <p:sp>
+          <p:nvSpPr>
+            <p:cNvPr id="13" name="Rectangle 12"/>
+            <p:cNvSpPr/>
+            <p:nvPr/>
+          </p:nvSpPr>
+          <p:spPr bwMode="auto">
+            <a:xfrm>
+              <a:off x="6173254" y="2075290"/>
+              <a:ext cx="2859428" cy="2679590"/>
+            </a:xfrm>
+            <a:prstGeom prst="rect">
+              <a:avLst/>
+            </a:prstGeom>
+            <a:noFill/>
+            <a:ln>
+              <a:solidFill>
+                <a:srgbClr val="FF0000"/>
+              </a:solidFill>
+              <a:headEnd type="none" w="med" len="med"/>
+              <a:tailEnd type="none" w="med" len="med"/>
+            </a:ln>
+            <a:extLst/>
+          </p:spPr>
+          <p:style>
+            <a:lnRef idx="2">
+              <a:schemeClr val="accent6"/>
+            </a:lnRef>
+            <a:fillRef idx="1">
+              <a:schemeClr val="lt1"/>
+            </a:fillRef>
+            <a:effectRef idx="0">
+              <a:schemeClr val="accent6"/>
+            </a:effectRef>
+            <a:fontRef idx="minor">
+              <a:schemeClr val="dk1"/>
+            </a:fontRef>
+          </p:style>
+          <p:txBody>
+            <a:bodyPr vert="horz" wrap="square" lIns="91440" tIns="45720" rIns="91440" bIns="45720" numCol="1" rtlCol="0" anchor="t" anchorCtr="0" compatLnSpc="1">
+              <a:prstTxWarp prst="textNoShape">
+                <a:avLst/>
+              </a:prstTxWarp>
+              <a:spAutoFit/>
+            </a:bodyPr>
+            <a:lstStyle/>
+            <a:p>
+              <a:pPr marL="0" marR="0" indent="0" algn="l" defTabSz="914400" rtl="0" eaLnBrk="1" fontAlgn="base" latinLnBrk="0" hangingPunct="1">
+                <a:lnSpc>
+                  <a:spcPct val="100000"/>
+                </a:lnSpc>
+                <a:spcBef>
+                  <a:spcPct val="0"/>
+                </a:spcBef>
+                <a:spcAft>
+                  <a:spcPct val="0"/>
+                </a:spcAft>
+                <a:buClrTx/>
+                <a:buSzTx/>
+                <a:buFontTx/>
+                <a:buNone/>
+                <a:tabLst/>
+              </a:pPr>
+              <a:endParaRPr kumimoji="0" lang="da-DK" sz="2400" b="0" i="0" u="none" strike="noStrike" cap="none" normalizeH="0" baseline="0">
+                <a:ln>
+                  <a:noFill/>
+                </a:ln>
+                <a:solidFill>
+                  <a:srgbClr val="000000"/>
+                </a:solidFill>
+                <a:effectLst/>
+                <a:latin typeface="Arial" charset="0"/>
+                <a:ea typeface="ＭＳ Ｐゴシック" charset="0"/>
+              </a:endParaRPr>
+            </a:p>
+          </p:txBody>
+        </p:sp>
       </p:grpSp>
+      <p:sp>
+        <p:nvSpPr>
+          <p:cNvPr id="2" name="Title 1"/>
+          <p:cNvSpPr>
+            <a:spLocks noGrp="1"/>
+          </p:cNvSpPr>
+          <p:nvPr>
+            <p:ph type="title"/>
+          </p:nvPr>
+        </p:nvSpPr>
+        <p:spPr/>
+        <p:txBody>
+          <a:bodyPr/>
+          <a:lstStyle/>
+          <a:p>
+            <a:r>
+              <a:rPr lang="da-DK" dirty="0" smtClean="0"/>
+              <a:t>AU </a:t>
+            </a:r>
+            <a:r>
+              <a:rPr lang="da-DK" dirty="0" err="1" smtClean="0"/>
+              <a:t>Studypedia</a:t>
+            </a:r>
+            <a:r>
+              <a:rPr lang="da-DK" dirty="0" smtClean="0"/>
+              <a:t> (studypedia.au.dk)</a:t>
+            </a:r>
+            <a:endParaRPr lang="da-DK" dirty="0"/>
+          </a:p>
+        </p:txBody>
+      </p:sp>
+      <p:sp>
+        <p:nvSpPr>
+          <p:cNvPr id="3" name="Content Placeholder 2"/>
+          <p:cNvSpPr>
+            <a:spLocks noGrp="1"/>
+          </p:cNvSpPr>
+          <p:nvPr>
+            <p:ph idx="1"/>
+          </p:nvPr>
+        </p:nvSpPr>
+        <p:spPr>
+          <a:xfrm>
+            <a:off x="395536" y="1124745"/>
+            <a:ext cx="8496944" cy="930701"/>
+          </a:xfrm>
+        </p:spPr>
+        <p:txBody>
+          <a:bodyPr/>
+          <a:lstStyle/>
+          <a:p>
+            <a:r>
+              <a:rPr lang="en-US" sz="1800" dirty="0" smtClean="0"/>
+              <a:t>A set of webpages which offers advice, inspiration and exercises in a number of different study related areas</a:t>
+            </a:r>
+          </a:p>
+          <a:p>
+            <a:pPr marL="728663" lvl="1" indent="-271463">
+              <a:spcBef>
+                <a:spcPts val="300"/>
+              </a:spcBef>
+            </a:pPr>
+            <a:r>
+              <a:rPr lang="da-DK" sz="1600" dirty="0" err="1" smtClean="0"/>
+              <a:t>There</a:t>
+            </a:r>
+            <a:r>
+              <a:rPr lang="da-DK" sz="1600" dirty="0" smtClean="0"/>
+              <a:t> </a:t>
+            </a:r>
+            <a:r>
+              <a:rPr lang="da-DK" sz="1600" dirty="0"/>
+              <a:t>is </a:t>
+            </a:r>
+            <a:r>
+              <a:rPr lang="da-DK" sz="1600" dirty="0" err="1"/>
+              <a:t>both</a:t>
+            </a:r>
+            <a:r>
+              <a:rPr lang="da-DK" sz="1600" dirty="0"/>
+              <a:t> a Danish and an English version (with </a:t>
+            </a:r>
+            <a:r>
+              <a:rPr lang="da-DK" sz="1600" dirty="0" err="1"/>
+              <a:t>slightly</a:t>
+            </a:r>
+            <a:r>
+              <a:rPr lang="da-DK" sz="1600" dirty="0"/>
+              <a:t> </a:t>
+            </a:r>
+            <a:r>
+              <a:rPr lang="da-DK" sz="1600" dirty="0" err="1"/>
+              <a:t>different</a:t>
+            </a:r>
+            <a:r>
+              <a:rPr lang="da-DK" sz="1600" dirty="0"/>
+              <a:t> </a:t>
+            </a:r>
+            <a:r>
+              <a:rPr lang="da-DK" sz="1600" dirty="0" err="1"/>
+              <a:t>contents</a:t>
+            </a:r>
+            <a:r>
+              <a:rPr lang="da-DK" sz="1600" dirty="0" smtClean="0"/>
+              <a:t>)</a:t>
+            </a:r>
+          </a:p>
+        </p:txBody>
+      </p:sp>
       <p:sp>
         <p:nvSpPr>
           <p:cNvPr id="4" name="Slide Number Placeholder 3"/>
